--- a/1 am/2 نظام التشغيل/cours 8/عرض الدرس.pptx
+++ b/1 am/2 نظام التشغيل/cours 8/عرض الدرس.pptx
@@ -251,7 +251,7 @@
           <a:p>
             <a:fld id="{33E46DBA-FA3B-4C5F-B700-4671668DAB72}" type="datetimeFigureOut">
               <a:rPr lang="fr-FR" smtClean="0"/>
-              <a:t>27/01/2025</a:t>
+              <a:t>08/02/2025</a:t>
             </a:fld>
             <a:endParaRPr lang="fr-FR"/>
           </a:p>
@@ -421,7 +421,7 @@
           <a:p>
             <a:fld id="{33E46DBA-FA3B-4C5F-B700-4671668DAB72}" type="datetimeFigureOut">
               <a:rPr lang="fr-FR" smtClean="0"/>
-              <a:t>27/01/2025</a:t>
+              <a:t>08/02/2025</a:t>
             </a:fld>
             <a:endParaRPr lang="fr-FR"/>
           </a:p>
@@ -601,7 +601,7 @@
           <a:p>
             <a:fld id="{33E46DBA-FA3B-4C5F-B700-4671668DAB72}" type="datetimeFigureOut">
               <a:rPr lang="fr-FR" smtClean="0"/>
-              <a:t>27/01/2025</a:t>
+              <a:t>08/02/2025</a:t>
             </a:fld>
             <a:endParaRPr lang="fr-FR"/>
           </a:p>
@@ -771,7 +771,7 @@
           <a:p>
             <a:fld id="{33E46DBA-FA3B-4C5F-B700-4671668DAB72}" type="datetimeFigureOut">
               <a:rPr lang="fr-FR" smtClean="0"/>
-              <a:t>27/01/2025</a:t>
+              <a:t>08/02/2025</a:t>
             </a:fld>
             <a:endParaRPr lang="fr-FR"/>
           </a:p>
@@ -1017,7 +1017,7 @@
           <a:p>
             <a:fld id="{33E46DBA-FA3B-4C5F-B700-4671668DAB72}" type="datetimeFigureOut">
               <a:rPr lang="fr-FR" smtClean="0"/>
-              <a:t>27/01/2025</a:t>
+              <a:t>08/02/2025</a:t>
             </a:fld>
             <a:endParaRPr lang="fr-FR"/>
           </a:p>
@@ -1249,7 +1249,7 @@
           <a:p>
             <a:fld id="{33E46DBA-FA3B-4C5F-B700-4671668DAB72}" type="datetimeFigureOut">
               <a:rPr lang="fr-FR" smtClean="0"/>
-              <a:t>27/01/2025</a:t>
+              <a:t>08/02/2025</a:t>
             </a:fld>
             <a:endParaRPr lang="fr-FR"/>
           </a:p>
@@ -1616,7 +1616,7 @@
           <a:p>
             <a:fld id="{33E46DBA-FA3B-4C5F-B700-4671668DAB72}" type="datetimeFigureOut">
               <a:rPr lang="fr-FR" smtClean="0"/>
-              <a:t>27/01/2025</a:t>
+              <a:t>08/02/2025</a:t>
             </a:fld>
             <a:endParaRPr lang="fr-FR"/>
           </a:p>
@@ -1734,7 +1734,7 @@
           <a:p>
             <a:fld id="{33E46DBA-FA3B-4C5F-B700-4671668DAB72}" type="datetimeFigureOut">
               <a:rPr lang="fr-FR" smtClean="0"/>
-              <a:t>27/01/2025</a:t>
+              <a:t>08/02/2025</a:t>
             </a:fld>
             <a:endParaRPr lang="fr-FR"/>
           </a:p>
@@ -1829,7 +1829,7 @@
           <a:p>
             <a:fld id="{33E46DBA-FA3B-4C5F-B700-4671668DAB72}" type="datetimeFigureOut">
               <a:rPr lang="fr-FR" smtClean="0"/>
-              <a:t>27/01/2025</a:t>
+              <a:t>08/02/2025</a:t>
             </a:fld>
             <a:endParaRPr lang="fr-FR"/>
           </a:p>
@@ -2106,7 +2106,7 @@
           <a:p>
             <a:fld id="{33E46DBA-FA3B-4C5F-B700-4671668DAB72}" type="datetimeFigureOut">
               <a:rPr lang="fr-FR" smtClean="0"/>
-              <a:t>27/01/2025</a:t>
+              <a:t>08/02/2025</a:t>
             </a:fld>
             <a:endParaRPr lang="fr-FR"/>
           </a:p>
@@ -2359,7 +2359,7 @@
           <a:p>
             <a:fld id="{33E46DBA-FA3B-4C5F-B700-4671668DAB72}" type="datetimeFigureOut">
               <a:rPr lang="fr-FR" smtClean="0"/>
-              <a:t>27/01/2025</a:t>
+              <a:t>08/02/2025</a:t>
             </a:fld>
             <a:endParaRPr lang="fr-FR"/>
           </a:p>
@@ -2572,7 +2572,7 @@
           <a:p>
             <a:fld id="{33E46DBA-FA3B-4C5F-B700-4671668DAB72}" type="datetimeFigureOut">
               <a:rPr lang="fr-FR" smtClean="0"/>
-              <a:t>27/01/2025</a:t>
+              <a:t>08/02/2025</a:t>
             </a:fld>
             <a:endParaRPr lang="fr-FR"/>
           </a:p>
@@ -4334,15 +4334,70 @@
                 <a:ea typeface="Calibri" panose="020F0502020204030204" pitchFamily="34" charset="0"/>
                 <a:cs typeface="+mj-cs"/>
               </a:rPr>
-              <a:t>هو .................... يسمح بـ ............ ............... وتنسيقها، كما يسمح بإضافة</a:t>
-            </a:r>
-            <a:r>
-              <a:rPr lang="fr-FR" sz="3200" b="1" dirty="0">
+              <a:t>هو </a:t>
+            </a:r>
+            <a:r>
+              <a:rPr lang="ar-DZ" sz="3200" b="1" dirty="0" smtClean="0">
+                <a:solidFill>
+                  <a:srgbClr val="000000"/>
+                </a:solidFill>
+                <a:latin typeface="Arial" panose="020B0604020202020204" pitchFamily="34" charset="0"/>
+                <a:ea typeface="Calibri" panose="020F0502020204030204" pitchFamily="34" charset="0"/>
+                <a:cs typeface="+mj-cs"/>
+              </a:rPr>
+              <a:t>................... </a:t>
+            </a:r>
+            <a:r>
+              <a:rPr lang="ar-DZ" sz="3200" b="1" dirty="0">
+                <a:solidFill>
+                  <a:srgbClr val="000000"/>
+                </a:solidFill>
+                <a:latin typeface="Arial" panose="020B0604020202020204" pitchFamily="34" charset="0"/>
+                <a:ea typeface="Calibri" panose="020F0502020204030204" pitchFamily="34" charset="0"/>
+                <a:cs typeface="+mj-cs"/>
+              </a:rPr>
+              <a:t>يسمح بـ ............ </a:t>
+            </a:r>
+            <a:r>
+              <a:rPr lang="ar-DZ" sz="3200" b="1" dirty="0" smtClean="0">
+                <a:solidFill>
+                  <a:srgbClr val="000000"/>
+                </a:solidFill>
+                <a:latin typeface="Arial" panose="020B0604020202020204" pitchFamily="34" charset="0"/>
+                <a:ea typeface="Calibri" panose="020F0502020204030204" pitchFamily="34" charset="0"/>
+                <a:cs typeface="+mj-cs"/>
+              </a:rPr>
+              <a:t>.............................. </a:t>
+            </a:r>
+            <a:r>
+              <a:rPr lang="ar-DZ" sz="3200" b="1" dirty="0">
+                <a:solidFill>
+                  <a:srgbClr val="000000"/>
+                </a:solidFill>
+                <a:latin typeface="Arial" panose="020B0604020202020204" pitchFamily="34" charset="0"/>
+                <a:ea typeface="Calibri" panose="020F0502020204030204" pitchFamily="34" charset="0"/>
+                <a:cs typeface="+mj-cs"/>
+              </a:rPr>
+              <a:t>وتنسيقها، كما يسمح </a:t>
+            </a:r>
+            <a:r>
+              <a:rPr lang="ar-DZ" sz="3200" b="1" dirty="0" smtClean="0">
+                <a:solidFill>
+                  <a:srgbClr val="000000"/>
+                </a:solidFill>
+                <a:latin typeface="Arial" panose="020B0604020202020204" pitchFamily="34" charset="0"/>
+                <a:ea typeface="Calibri" panose="020F0502020204030204" pitchFamily="34" charset="0"/>
+                <a:cs typeface="+mj-cs"/>
+              </a:rPr>
+              <a:t>بإضافة </a:t>
+            </a:r>
+            <a:r>
+              <a:rPr lang="fr-FR" sz="3200" b="1" dirty="0" smtClean="0">
                 <a:latin typeface="Times New Roman" panose="02020603050405020304" pitchFamily="18" charset="0"/>
                 <a:ea typeface="Calibri" panose="020F0502020204030204" pitchFamily="34" charset="0"/>
                 <a:cs typeface="+mj-cs"/>
               </a:rPr>
-              <a:t> .....................</a:t>
+              <a:t> ................</a:t>
             </a:r>
             <a:endParaRPr lang="ar-DZ" sz="3200" b="1" dirty="0">
               <a:cs typeface="+mj-cs"/>
@@ -4524,8 +4579,8 @@
         </p:nvSpPr>
         <p:spPr>
           <a:xfrm>
-            <a:off x="9607826" y="3614659"/>
-            <a:ext cx="2279374" cy="646331"/>
+            <a:off x="9106422" y="3683908"/>
+            <a:ext cx="1691013" cy="646331"/>
           </a:xfrm>
           <a:prstGeom prst="rect">
             <a:avLst/>
@@ -4567,8 +4622,8 @@
         </p:nvSpPr>
         <p:spPr>
           <a:xfrm>
-            <a:off x="5181601" y="2924085"/>
-            <a:ext cx="1630368" cy="646331"/>
+            <a:off x="3745282" y="2968328"/>
+            <a:ext cx="3066686" cy="646331"/>
           </a:xfrm>
           <a:prstGeom prst="rect">
             <a:avLst/>
@@ -4592,6 +4647,24 @@
                 <a:cs typeface="+mj-cs"/>
               </a:rPr>
               <a:t>نصوص</a:t>
+            </a:r>
+            <a:r>
+              <a:rPr lang="fr-FR" sz="3600" b="1" dirty="0" smtClean="0">
+                <a:solidFill>
+                  <a:srgbClr val="FF0000"/>
+                </a:solidFill>
+                <a:cs typeface="+mj-cs"/>
+              </a:rPr>
+              <a:t> </a:t>
+            </a:r>
+            <a:r>
+              <a:rPr lang="ar-DZ" sz="3600" b="1" dirty="0" smtClean="0">
+                <a:solidFill>
+                  <a:srgbClr val="FF0000"/>
+                </a:solidFill>
+                <a:cs typeface="+mj-cs"/>
+              </a:rPr>
+              <a:t> بسيطة</a:t>
             </a:r>
             <a:endParaRPr lang="ar-DZ" sz="3600" b="1" dirty="0">
               <a:solidFill>
@@ -5639,7 +5712,6 @@
               <a:rPr lang="ar-DZ" sz="3200" b="1" dirty="0" smtClean="0"/>
               <a:t>المسطرة</a:t>
             </a:r>
-            <a:endParaRPr lang="ar-DZ" sz="3200" b="1" dirty="0" smtClean="0"/>
           </a:p>
           <a:p>
             <a:pPr lvl="1" algn="r" rtl="1"/>
@@ -5686,15 +5758,7 @@
                   <a:srgbClr val="FF0000"/>
                 </a:solidFill>
               </a:rPr>
-              <a:t>واجهة برنامج </a:t>
-            </a:r>
-            <a:r>
-              <a:rPr lang="ar-DZ" sz="3200" b="1" dirty="0" smtClean="0">
-                <a:solidFill>
-                  <a:srgbClr val="FF0000"/>
-                </a:solidFill>
-              </a:rPr>
-              <a:t>الدفتر</a:t>
+              <a:t>واجهة برنامج الدفتر</a:t>
             </a:r>
             <a:endParaRPr lang="ar-DZ" sz="3200" dirty="0">
               <a:solidFill>
@@ -6579,13 +6643,8 @@
             <a:pPr marL="0" lvl="1" algn="r" rtl="1"/>
             <a:r>
               <a:rPr lang="ar-DZ" sz="3200" b="1" dirty="0" smtClean="0"/>
-              <a:t>1. شريط العنوان				4</a:t>
-            </a:r>
-            <a:r>
-              <a:rPr lang="ar-DZ" sz="3200" b="1" dirty="0" smtClean="0"/>
-              <a:t>. المسطرة</a:t>
-            </a:r>
-            <a:endParaRPr lang="ar-DZ" sz="3200" b="1" dirty="0" smtClean="0"/>
+              <a:t>1. شريط العنوان				4. المسطرة</a:t>
+            </a:r>
           </a:p>
           <a:p>
             <a:pPr marL="0" lvl="1" algn="r" rtl="1"/>
@@ -6603,13 +6662,8 @@
             </a:r>
             <a:r>
               <a:rPr lang="ar-DZ" sz="3200" b="1" dirty="0" smtClean="0"/>
-              <a:t>القوائم)		5. شريط </a:t>
-            </a:r>
-            <a:r>
-              <a:rPr lang="ar-DZ" sz="3200" b="1" dirty="0" smtClean="0"/>
-              <a:t>التمرير</a:t>
-            </a:r>
-            <a:endParaRPr lang="ar-DZ" sz="3200" b="1" dirty="0" smtClean="0"/>
+              <a:t>القوائم)		5. شريط التمرير</a:t>
+            </a:r>
           </a:p>
           <a:p>
             <a:pPr marL="0" lvl="1" algn="r" rtl="1"/>
@@ -6623,11 +6677,7 @@
             </a:r>
             <a:r>
               <a:rPr lang="ar-DZ" sz="3200" b="1" dirty="0" smtClean="0"/>
-              <a:t>				6. ورقة </a:t>
-            </a:r>
-            <a:r>
-              <a:rPr lang="ar-DZ" sz="3200" b="1" dirty="0" smtClean="0"/>
-              <a:t>الكتابة</a:t>
+              <a:t>				6. ورقة الكتابة</a:t>
             </a:r>
             <a:endParaRPr lang="ar-DZ" sz="3200" b="1" dirty="0"/>
           </a:p>
@@ -6666,25 +6716,7 @@
                 </a:solidFill>
                 <a:cs typeface="+mj-cs"/>
               </a:rPr>
-              <a:t>واجهة برنامج </a:t>
-            </a:r>
-            <a:r>
-              <a:rPr lang="ar-DZ" sz="3600" b="1" u="sng" dirty="0" smtClean="0">
-                <a:solidFill>
-                  <a:srgbClr val="FF0000"/>
-                </a:solidFill>
-                <a:cs typeface="+mj-cs"/>
-              </a:rPr>
-              <a:t>الدفتر </a:t>
-            </a:r>
-            <a:r>
-              <a:rPr lang="ar-DZ" sz="3600" b="1" u="sng" dirty="0" smtClean="0">
-                <a:solidFill>
-                  <a:srgbClr val="FF0000"/>
-                </a:solidFill>
-                <a:cs typeface="+mj-cs"/>
-              </a:rPr>
-              <a:t>:</a:t>
+              <a:t>واجهة برنامج الدفتر :</a:t>
             </a:r>
             <a:endParaRPr lang="ar-DZ" sz="3600" b="1" u="sng" dirty="0">
               <a:solidFill>
@@ -7009,16 +7041,7 @@
                 </a:solidFill>
                 <a:cs typeface="+mj-cs"/>
               </a:rPr>
-              <a:t>الحفظ في برنامج </a:t>
-            </a:r>
-            <a:r>
-              <a:rPr lang="ar-DZ" sz="3600" b="1" u="sng" dirty="0" smtClean="0">
-                <a:solidFill>
-                  <a:srgbClr val="FF0000"/>
-                </a:solidFill>
-                <a:cs typeface="+mj-cs"/>
-              </a:rPr>
-              <a:t>الدفتر : </a:t>
+              <a:t>الحفظ في برنامج الدفتر : </a:t>
             </a:r>
             <a:r>
               <a:rPr lang="ar-DZ" sz="3600" b="1" u="sng" dirty="0">
